--- a/_site/translations/en-us/Project/Identify.pptx
+++ b/_site/translations/en-us/Project/Identify.pptx
@@ -5,7 +5,7 @@
     <p:sldMasterId id="2147483791" r:id="rId1"/>
   </p:sldMasterIdLst>
   <p:notesMasterIdLst>
-    <p:notesMasterId r:id="rId11"/>
+    <p:notesMasterId r:id="rId13"/>
   </p:notesMasterIdLst>
   <p:sldIdLst>
     <p:sldId id="256" r:id="rId2"/>
@@ -13,10 +13,12 @@
     <p:sldId id="259" r:id="rId4"/>
     <p:sldId id="264" r:id="rId5"/>
     <p:sldId id="260" r:id="rId6"/>
-    <p:sldId id="261" r:id="rId7"/>
-    <p:sldId id="263" r:id="rId8"/>
-    <p:sldId id="262" r:id="rId9"/>
-    <p:sldId id="258" r:id="rId10"/>
+    <p:sldId id="272" r:id="rId7"/>
+    <p:sldId id="273" r:id="rId8"/>
+    <p:sldId id="261" r:id="rId9"/>
+    <p:sldId id="263" r:id="rId10"/>
+    <p:sldId id="262" r:id="rId11"/>
+    <p:sldId id="258" r:id="rId12"/>
   </p:sldIdLst>
   <p:sldSz cx="9144000" cy="6858000" type="screen4x3"/>
   <p:notesSz cx="6858000" cy="9144000"/>
@@ -205,7 +207,7 @@
           <a:p>
             <a:fld id="{A78B980B-A051-5042-A199-B77431CF73D3}" type="datetimeFigureOut">
               <a:rPr lang="en-US" smtClean="0"/>
-              <a:t>9/2/18</a:t>
+              <a:t>10/27/22</a:t>
             </a:fld>
             <a:endParaRPr lang="en-US"/>
           </a:p>
@@ -807,9 +809,9 @@
             </a:lvl1pPr>
           </a:lstStyle>
           <a:p>
-            <a:fld id="{2CE9A39D-22EB-4B0B-A637-52F3C1896EC1}" type="datetime1">
+            <a:fld id="{55A8F38D-88CE-9947-A8C6-74B76FB836AA}" type="datetime1">
               <a:rPr lang="en-US" smtClean="0"/>
-              <a:t>9/2/18</a:t>
+              <a:t>10/27/22</a:t>
             </a:fld>
             <a:endParaRPr lang="en-US" dirty="0"/>
           </a:p>
@@ -851,7 +853,7 @@
           <a:p>
             <a:r>
               <a:rPr lang="en-US"/>
-              <a:t>© 2018, FLL Tutorials (Last Edit 6/11/2018)</a:t>
+              <a:t>© 2022, FLL Tutorials</a:t>
             </a:r>
             <a:endParaRPr lang="en-US" dirty="0"/>
           </a:p>
@@ -1117,9 +1119,9 @@
           <a:bodyPr/>
           <a:lstStyle/>
           <a:p>
-            <a:fld id="{BD934CCD-4B40-454B-83D6-C5AF669D7607}" type="datetime1">
+            <a:fld id="{D2AA7458-E0B4-584E-9FB7-04AEA1EC2373}" type="datetime1">
               <a:rPr lang="en-US" smtClean="0"/>
-              <a:t>9/2/18</a:t>
+              <a:t>10/27/22</a:t>
             </a:fld>
             <a:endParaRPr lang="en-US" dirty="0"/>
           </a:p>
@@ -1150,7 +1152,7 @@
           <a:p>
             <a:r>
               <a:rPr lang="en-US"/>
-              <a:t>© 2018, FLL Tutorials (Last Edit 6/11/2018)</a:t>
+              <a:t>© 2022, FLL Tutorials</a:t>
             </a:r>
             <a:endParaRPr lang="en-US" dirty="0"/>
           </a:p>
@@ -1375,9 +1377,9 @@
             </a:lvl1pPr>
           </a:lstStyle>
           <a:p>
-            <a:fld id="{EA1E668F-835A-4C17-82FE-7E992179E96C}" type="datetime1">
+            <a:fld id="{F6406977-5ADD-4B4A-8302-8CED4C7538BE}" type="datetime1">
               <a:rPr lang="en-US" smtClean="0"/>
-              <a:t>9/2/18</a:t>
+              <a:t>10/27/22</a:t>
             </a:fld>
             <a:endParaRPr lang="en-US" dirty="0"/>
           </a:p>
@@ -1408,7 +1410,7 @@
           <a:p>
             <a:r>
               <a:rPr lang="en-US"/>
-              <a:t>© 2018, FLL Tutorials (Last Edit 6/11/2018)</a:t>
+              <a:t>© 2022, FLL Tutorials</a:t>
             </a:r>
             <a:endParaRPr lang="en-US" dirty="0"/>
           </a:p>
@@ -1663,9 +1665,9 @@
             </a:lvl1pPr>
           </a:lstStyle>
           <a:p>
-            <a:fld id="{B9562C99-C557-4EA2-94F8-DC1B422D8595}" type="datetime1">
+            <a:fld id="{925F5241-5FFF-EC44-BF79-3ED60506BA88}" type="datetime1">
               <a:rPr lang="en-US" smtClean="0"/>
-              <a:t>9/2/18</a:t>
+              <a:t>10/27/22</a:t>
             </a:fld>
             <a:endParaRPr lang="en-US" dirty="0"/>
           </a:p>
@@ -1710,7 +1712,7 @@
           <a:p>
             <a:r>
               <a:rPr lang="en-US"/>
-              <a:t>© 2018, FLL Tutorials (Last Edit 6/11/2018)</a:t>
+              <a:t>© 2022, FLL Tutorials</a:t>
             </a:r>
             <a:endParaRPr lang="en-US" dirty="0"/>
           </a:p>
@@ -2118,7 +2120,7 @@
             <a:fld id="{B61BEF0D-F0BB-DE4B-95CE-6DB70DBA9567}" type="datetimeFigureOut">
               <a:rPr lang="en-US" smtClean="0"/>
               <a:pPr/>
-              <a:t>9/2/18</a:t>
+              <a:t>10/27/22</a:t>
             </a:fld>
             <a:endParaRPr lang="en-US" dirty="0"/>
           </a:p>
@@ -2673,9 +2675,9 @@
           <a:bodyPr/>
           <a:lstStyle/>
           <a:p>
-            <a:fld id="{CC24CE98-68B6-4496-B6E9-6E7D3EAFB920}" type="datetime1">
+            <a:fld id="{19EA2F73-BF18-4140-AB35-FD5A7C973B27}" type="datetime1">
               <a:rPr lang="en-US" smtClean="0"/>
-              <a:t>9/2/18</a:t>
+              <a:t>10/27/22</a:t>
             </a:fld>
             <a:endParaRPr lang="en-US" dirty="0"/>
           </a:p>
@@ -2706,7 +2708,7 @@
           <a:p>
             <a:r>
               <a:rPr lang="en-US"/>
-              <a:t>© 2018, FLL Tutorials (Last Edit 6/11/2018)</a:t>
+              <a:t>© 2022, FLL Tutorials</a:t>
             </a:r>
             <a:endParaRPr lang="en-US" dirty="0"/>
           </a:p>
@@ -3122,9 +3124,9 @@
           <a:bodyPr/>
           <a:lstStyle/>
           <a:p>
-            <a:fld id="{F22D7A16-074F-4FA9-8F5A-0D30602CAA26}" type="datetime1">
+            <a:fld id="{5432C46E-ACEC-D141-A952-2E1874B956FF}" type="datetime1">
               <a:rPr lang="en-US" smtClean="0"/>
-              <a:t>9/2/18</a:t>
+              <a:t>10/27/22</a:t>
             </a:fld>
             <a:endParaRPr lang="en-US" dirty="0"/>
           </a:p>
@@ -3155,7 +3157,7 @@
           <a:p>
             <a:r>
               <a:rPr lang="en-US"/>
-              <a:t>© 2018, FLL Tutorials (Last Edit 6/11/2018)</a:t>
+              <a:t>© 2022, FLL Tutorials</a:t>
             </a:r>
             <a:endParaRPr lang="en-US" dirty="0"/>
           </a:p>
@@ -3307,9 +3309,9 @@
           <a:bodyPr/>
           <a:lstStyle/>
           <a:p>
-            <a:fld id="{E40A515B-2F8B-48B9-A111-B71681EB3FD9}" type="datetime1">
+            <a:fld id="{494A2D69-0B3B-C649-B335-1130CF617B35}" type="datetime1">
               <a:rPr lang="en-US" smtClean="0"/>
-              <a:t>9/2/18</a:t>
+              <a:t>10/27/22</a:t>
             </a:fld>
             <a:endParaRPr lang="en-US" dirty="0"/>
           </a:p>
@@ -3340,7 +3342,7 @@
           <a:p>
             <a:r>
               <a:rPr lang="en-US"/>
-              <a:t>© 2018, FLL Tutorials (Last Edit 6/11/2018)</a:t>
+              <a:t>© 2022, FLL Tutorials</a:t>
             </a:r>
             <a:endParaRPr lang="en-US" dirty="0"/>
           </a:p>
@@ -3430,9 +3432,9 @@
           <a:bodyPr/>
           <a:lstStyle/>
           <a:p>
-            <a:fld id="{FC74D4E4-1164-405F-B36F-568643F96A7D}" type="datetime1">
+            <a:fld id="{01948553-1F9C-934D-AC6B-FEFD992E596E}" type="datetime1">
               <a:rPr lang="en-US" smtClean="0"/>
-              <a:t>9/2/18</a:t>
+              <a:t>10/27/22</a:t>
             </a:fld>
             <a:endParaRPr lang="en-US" dirty="0"/>
           </a:p>
@@ -3463,7 +3465,7 @@
           <a:p>
             <a:r>
               <a:rPr lang="en-US"/>
-              <a:t>© 2018, FLL Tutorials (Last Edit 6/11/2018)</a:t>
+              <a:t>© 2022, FLL Tutorials</a:t>
             </a:r>
             <a:endParaRPr lang="en-US" dirty="0"/>
           </a:p>
@@ -3836,9 +3838,9 @@
             </a:lvl1pPr>
           </a:lstStyle>
           <a:p>
-            <a:fld id="{2DD0CB2B-DCCE-4F9C-B031-1A6026B95099}" type="datetime1">
+            <a:fld id="{3EB0DCB7-9DC5-AB45-A731-56E87D92F031}" type="datetime1">
               <a:rPr lang="en-US" smtClean="0"/>
-              <a:t>9/2/18</a:t>
+              <a:t>10/27/22</a:t>
             </a:fld>
             <a:endParaRPr lang="en-US" dirty="0"/>
           </a:p>
@@ -3880,7 +3882,7 @@
           <a:p>
             <a:r>
               <a:rPr lang="en-US"/>
-              <a:t>© 2018, FLL Tutorials (Last Edit 6/11/2018)</a:t>
+              <a:t>© 2022, FLL Tutorials</a:t>
             </a:r>
             <a:endParaRPr lang="en-US" dirty="0"/>
           </a:p>
@@ -4153,9 +4155,9 @@
           <a:bodyPr/>
           <a:lstStyle/>
           <a:p>
-            <a:fld id="{C737D807-743D-4A20-9A3B-94060924E229}" type="datetime1">
+            <a:fld id="{62AC3A48-9523-1044-B352-8584CA3225CE}" type="datetime1">
               <a:rPr lang="en-US" smtClean="0"/>
-              <a:t>9/2/18</a:t>
+              <a:t>10/27/22</a:t>
             </a:fld>
             <a:endParaRPr lang="en-US" dirty="0"/>
           </a:p>
@@ -4186,7 +4188,7 @@
           <a:p>
             <a:r>
               <a:rPr lang="en-US"/>
-              <a:t>© 2018, FLL Tutorials (Last Edit 6/11/2018)</a:t>
+              <a:t>© 2022, FLL Tutorials</a:t>
             </a:r>
             <a:endParaRPr lang="en-US" dirty="0"/>
           </a:p>
@@ -4504,9 +4506,9 @@
             </a:lvl1pPr>
           </a:lstStyle>
           <a:p>
-            <a:fld id="{6A3CA27E-F570-4F3C-BEC6-ADE8E4EED474}" type="datetime1">
+            <a:fld id="{94E9E688-8D2D-F14E-A7D3-41ECC85B3CE1}" type="datetime1">
               <a:rPr lang="en-US" smtClean="0"/>
-              <a:t>9/2/18</a:t>
+              <a:t>10/27/22</a:t>
             </a:fld>
             <a:endParaRPr lang="en-US" dirty="0"/>
           </a:p>
@@ -4554,7 +4556,7 @@
           <a:p>
             <a:r>
               <a:rPr lang="en-US"/>
-              <a:t>© 2018, FLL Tutorials (Last Edit 6/11/2018)</a:t>
+              <a:t>© 2022, FLL Tutorials</a:t>
             </a:r>
             <a:endParaRPr lang="en-US" dirty="0"/>
           </a:p>
@@ -5077,6 +5079,459 @@
 </p:sld>
 </file>
 
+<file path=ppt/slides/slide10.xml><?xml version="1.0" encoding="utf-8"?>
+<p:sld xmlns:a="http://schemas.openxmlformats.org/drawingml/2006/main" xmlns:r="http://schemas.openxmlformats.org/officeDocument/2006/relationships" xmlns:p="http://schemas.openxmlformats.org/presentationml/2006/main">
+  <p:cSld>
+    <p:spTree>
+      <p:nvGrpSpPr>
+        <p:cNvPr id="1" name=""/>
+        <p:cNvGrpSpPr/>
+        <p:nvPr/>
+      </p:nvGrpSpPr>
+      <p:grpSpPr>
+        <a:xfrm>
+          <a:off x="0" y="0"/>
+          <a:ext cx="0" cy="0"/>
+          <a:chOff x="0" y="0"/>
+          <a:chExt cx="0" cy="0"/>
+        </a:xfrm>
+      </p:grpSpPr>
+      <p:sp>
+        <p:nvSpPr>
+          <p:cNvPr id="2" name="Title 1"/>
+          <p:cNvSpPr>
+            <a:spLocks noGrp="1"/>
+          </p:cNvSpPr>
+          <p:nvPr>
+            <p:ph type="title"/>
+          </p:nvPr>
+        </p:nvSpPr>
+        <p:spPr/>
+        <p:txBody>
+          <a:bodyPr/>
+          <a:lstStyle/>
+          <a:p>
+            <a:r>
+              <a:rPr lang="en-US" dirty="0"/>
+              <a:t>Sample Topics in Animal Allies</a:t>
+            </a:r>
+          </a:p>
+        </p:txBody>
+      </p:sp>
+      <p:sp>
+        <p:nvSpPr>
+          <p:cNvPr id="3" name="Content Placeholder 2"/>
+          <p:cNvSpPr>
+            <a:spLocks noGrp="1"/>
+          </p:cNvSpPr>
+          <p:nvPr>
+            <p:ph idx="1"/>
+          </p:nvPr>
+        </p:nvSpPr>
+        <p:spPr>
+          <a:xfrm>
+            <a:off x="241739" y="1845734"/>
+            <a:ext cx="4639180" cy="4023360"/>
+          </a:xfrm>
+        </p:spPr>
+        <p:txBody>
+          <a:bodyPr>
+            <a:normAutofit fontScale="47500" lnSpcReduction="20000"/>
+          </a:bodyPr>
+          <a:lstStyle/>
+          <a:p>
+            <a:pPr lvl="1"/>
+            <a:r>
+              <a:rPr lang="en-US" dirty="0"/>
+              <a:t>Chimney Swifts losing their homes</a:t>
+            </a:r>
+          </a:p>
+          <a:p>
+            <a:pPr lvl="1"/>
+            <a:r>
+              <a:rPr lang="en-US" dirty="0"/>
+              <a:t>Training therapy dogs</a:t>
+            </a:r>
+          </a:p>
+          <a:p>
+            <a:pPr lvl="1"/>
+            <a:r>
+              <a:rPr lang="en-US" dirty="0"/>
+              <a:t>K-9 dogs helping the police</a:t>
+            </a:r>
+          </a:p>
+          <a:p>
+            <a:pPr lvl="1"/>
+            <a:r>
+              <a:rPr lang="en-US" dirty="0"/>
+              <a:t>Monitoring bee hives to keep them healthy</a:t>
+            </a:r>
+          </a:p>
+          <a:p>
+            <a:pPr lvl="1"/>
+            <a:r>
+              <a:rPr lang="en-US" dirty="0"/>
+              <a:t>Bears getting into trash cans</a:t>
+            </a:r>
+          </a:p>
+          <a:p>
+            <a:pPr lvl="1"/>
+            <a:r>
+              <a:rPr lang="en-US" dirty="0"/>
+              <a:t>Finding lost dogs</a:t>
+            </a:r>
+          </a:p>
+          <a:p>
+            <a:pPr lvl="1"/>
+            <a:r>
+              <a:rPr lang="en-US" dirty="0"/>
+              <a:t>Preventing Lyme disease from deer ticks</a:t>
+            </a:r>
+          </a:p>
+          <a:p>
+            <a:pPr lvl="1"/>
+            <a:r>
+              <a:rPr lang="en-US" dirty="0"/>
+              <a:t>Helping baby turtles find their way to the ocean</a:t>
+            </a:r>
+          </a:p>
+          <a:p>
+            <a:pPr lvl="1"/>
+            <a:r>
+              <a:rPr lang="en-US" dirty="0"/>
+              <a:t>Cow tagging</a:t>
+            </a:r>
+          </a:p>
+          <a:p>
+            <a:pPr lvl="1"/>
+            <a:r>
+              <a:rPr lang="en-US" dirty="0"/>
+              <a:t>Animals drinking from polluted city water</a:t>
+            </a:r>
+          </a:p>
+          <a:p>
+            <a:pPr lvl="1"/>
+            <a:r>
+              <a:rPr lang="en-US" dirty="0"/>
+              <a:t>Keeping horses hydrated (Global Innovation award winner 2017)</a:t>
+            </a:r>
+          </a:p>
+          <a:p>
+            <a:pPr lvl="1"/>
+            <a:endParaRPr lang="en-US" dirty="0"/>
+          </a:p>
+          <a:p>
+            <a:pPr lvl="1"/>
+            <a:endParaRPr lang="en-US" dirty="0"/>
+          </a:p>
+          <a:p>
+            <a:pPr lvl="1"/>
+            <a:endParaRPr lang="en-US" dirty="0"/>
+          </a:p>
+          <a:p>
+            <a:pPr lvl="1"/>
+            <a:endParaRPr lang="en-US" dirty="0"/>
+          </a:p>
+        </p:txBody>
+      </p:sp>
+      <p:sp>
+        <p:nvSpPr>
+          <p:cNvPr id="4" name="Footer Placeholder 3"/>
+          <p:cNvSpPr>
+            <a:spLocks noGrp="1"/>
+          </p:cNvSpPr>
+          <p:nvPr>
+            <p:ph type="ftr" sz="quarter" idx="11"/>
+          </p:nvPr>
+        </p:nvSpPr>
+        <p:spPr/>
+        <p:txBody>
+          <a:bodyPr/>
+          <a:lstStyle/>
+          <a:p>
+            <a:r>
+              <a:rPr lang="en-US"/>
+              <a:t>© 2022, FLL Tutorials</a:t>
+            </a:r>
+            <a:endParaRPr lang="en-US" dirty="0"/>
+          </a:p>
+        </p:txBody>
+      </p:sp>
+      <p:sp>
+        <p:nvSpPr>
+          <p:cNvPr id="5" name="Slide Number Placeholder 4"/>
+          <p:cNvSpPr>
+            <a:spLocks noGrp="1"/>
+          </p:cNvSpPr>
+          <p:nvPr>
+            <p:ph type="sldNum" sz="quarter" idx="12"/>
+          </p:nvPr>
+        </p:nvSpPr>
+        <p:spPr/>
+        <p:txBody>
+          <a:bodyPr/>
+          <a:lstStyle/>
+          <a:p>
+            <a:fld id="{6D22F896-40B5-4ADD-8801-0D06FADFA095}" type="slidenum">
+              <a:rPr lang="en-US" smtClean="0"/>
+              <a:t>10</a:t>
+            </a:fld>
+            <a:endParaRPr lang="en-US" dirty="0"/>
+          </a:p>
+        </p:txBody>
+      </p:sp>
+      <p:pic>
+        <p:nvPicPr>
+          <p:cNvPr id="7" name="Picture 6"/>
+          <p:cNvPicPr>
+            <a:picLocks noChangeAspect="1"/>
+          </p:cNvPicPr>
+          <p:nvPr/>
+        </p:nvPicPr>
+        <p:blipFill>
+          <a:blip r:embed="rId2">
+            <a:extLst>
+              <a:ext uri="{28A0092B-C50C-407E-A947-70E740481C1C}">
+                <a14:useLocalDpi xmlns:a14="http://schemas.microsoft.com/office/drawing/2010/main" val="0"/>
+              </a:ext>
+            </a:extLst>
+          </a:blip>
+          <a:stretch>
+            <a:fillRect/>
+          </a:stretch>
+        </p:blipFill>
+        <p:spPr>
+          <a:xfrm>
+            <a:off x="4880919" y="1950994"/>
+            <a:ext cx="3975100" cy="3289300"/>
+          </a:xfrm>
+          <a:prstGeom prst="rect">
+            <a:avLst/>
+          </a:prstGeom>
+        </p:spPr>
+      </p:pic>
+      <p:sp>
+        <p:nvSpPr>
+          <p:cNvPr id="8" name="TextBox 7"/>
+          <p:cNvSpPr txBox="1"/>
+          <p:nvPr/>
+        </p:nvSpPr>
+        <p:spPr>
+          <a:xfrm>
+            <a:off x="137297" y="5928838"/>
+            <a:ext cx="8272066" cy="307777"/>
+          </a:xfrm>
+          <a:prstGeom prst="rect">
+            <a:avLst/>
+          </a:prstGeom>
+          <a:noFill/>
+        </p:spPr>
+        <p:txBody>
+          <a:bodyPr wrap="square" rtlCol="0">
+            <a:spAutoFit/>
+          </a:bodyPr>
+          <a:lstStyle/>
+          <a:p>
+            <a:r>
+              <a:rPr lang="en-US" sz="1400" dirty="0"/>
+              <a:t>Sample topics from teams that participated in FIRST LEGO League Animal Allies</a:t>
+            </a:r>
+          </a:p>
+        </p:txBody>
+      </p:sp>
+    </p:spTree>
+    <p:extLst>
+      <p:ext uri="{BB962C8B-B14F-4D97-AF65-F5344CB8AC3E}">
+        <p14:creationId xmlns:p14="http://schemas.microsoft.com/office/powerpoint/2010/main" val="1438492606"/>
+      </p:ext>
+    </p:extLst>
+  </p:cSld>
+  <p:clrMapOvr>
+    <a:masterClrMapping/>
+  </p:clrMapOvr>
+</p:sld>
+</file>
+
+<file path=ppt/slides/slide11.xml><?xml version="1.0" encoding="utf-8"?>
+<p:sld xmlns:a="http://schemas.openxmlformats.org/drawingml/2006/main" xmlns:r="http://schemas.openxmlformats.org/officeDocument/2006/relationships" xmlns:p="http://schemas.openxmlformats.org/presentationml/2006/main">
+  <p:cSld>
+    <p:spTree>
+      <p:nvGrpSpPr>
+        <p:cNvPr id="1" name=""/>
+        <p:cNvGrpSpPr/>
+        <p:nvPr/>
+      </p:nvGrpSpPr>
+      <p:grpSpPr>
+        <a:xfrm>
+          <a:off x="0" y="0"/>
+          <a:ext cx="0" cy="0"/>
+          <a:chOff x="0" y="0"/>
+          <a:chExt cx="0" cy="0"/>
+        </a:xfrm>
+      </p:grpSpPr>
+      <p:sp>
+        <p:nvSpPr>
+          <p:cNvPr id="2" name="Title 1"/>
+          <p:cNvSpPr>
+            <a:spLocks noGrp="1"/>
+          </p:cNvSpPr>
+          <p:nvPr>
+            <p:ph type="title"/>
+          </p:nvPr>
+        </p:nvSpPr>
+        <p:spPr/>
+        <p:txBody>
+          <a:bodyPr/>
+          <a:lstStyle/>
+          <a:p>
+            <a:r>
+              <a:rPr lang="en-US" dirty="0"/>
+              <a:t>Credits</a:t>
+            </a:r>
+          </a:p>
+        </p:txBody>
+      </p:sp>
+      <p:sp>
+        <p:nvSpPr>
+          <p:cNvPr id="3" name="Content Placeholder 2"/>
+          <p:cNvSpPr>
+            <a:spLocks noGrp="1"/>
+          </p:cNvSpPr>
+          <p:nvPr>
+            <p:ph idx="1"/>
+          </p:nvPr>
+        </p:nvSpPr>
+        <p:spPr/>
+        <p:txBody>
+          <a:bodyPr>
+            <a:normAutofit/>
+          </a:bodyPr>
+          <a:lstStyle/>
+          <a:p>
+            <a:r>
+              <a:rPr lang="en-US" sz="2800" dirty="0"/>
+              <a:t>This lesson was written by Sanjay and Arvind Seshan</a:t>
+            </a:r>
+          </a:p>
+          <a:p>
+            <a:r>
+              <a:rPr lang="en-US" sz="2800" dirty="0"/>
+              <a:t>More lessons available at </a:t>
+            </a:r>
+            <a:r>
+              <a:rPr lang="en-US" sz="2800" dirty="0">
+                <a:hlinkClick r:id="rId2"/>
+              </a:rPr>
+              <a:t>www.ev3lessons.com</a:t>
+            </a:r>
+            <a:r>
+              <a:rPr lang="en-US" sz="2800" dirty="0"/>
+              <a:t> and </a:t>
+            </a:r>
+            <a:r>
+              <a:rPr lang="en-US" sz="2800" dirty="0">
+                <a:hlinkClick r:id="rId3"/>
+              </a:rPr>
+              <a:t>www.flltutorials.com</a:t>
+            </a:r>
+            <a:endParaRPr lang="en-US" sz="2800" dirty="0"/>
+          </a:p>
+          <a:p>
+            <a:endParaRPr lang="en-US" sz="2800" dirty="0"/>
+          </a:p>
+          <a:p>
+            <a:endParaRPr lang="en-US" sz="2800" dirty="0"/>
+          </a:p>
+        </p:txBody>
+      </p:sp>
+      <p:sp>
+        <p:nvSpPr>
+          <p:cNvPr id="4" name="Footer Placeholder 3"/>
+          <p:cNvSpPr>
+            <a:spLocks noGrp="1"/>
+          </p:cNvSpPr>
+          <p:nvPr>
+            <p:ph type="ftr" sz="quarter" idx="11"/>
+          </p:nvPr>
+        </p:nvSpPr>
+        <p:spPr/>
+        <p:txBody>
+          <a:bodyPr/>
+          <a:lstStyle/>
+          <a:p>
+            <a:r>
+              <a:rPr lang="en-US"/>
+              <a:t>© 2022, FLL Tutorials</a:t>
+            </a:r>
+            <a:endParaRPr lang="en-US" dirty="0"/>
+          </a:p>
+        </p:txBody>
+      </p:sp>
+      <p:sp>
+        <p:nvSpPr>
+          <p:cNvPr id="5" name="Slide Number Placeholder 4"/>
+          <p:cNvSpPr>
+            <a:spLocks noGrp="1"/>
+          </p:cNvSpPr>
+          <p:nvPr>
+            <p:ph type="sldNum" sz="quarter" idx="12"/>
+          </p:nvPr>
+        </p:nvSpPr>
+        <p:spPr/>
+        <p:txBody>
+          <a:bodyPr/>
+          <a:lstStyle/>
+          <a:p>
+            <a:fld id="{6D22F896-40B5-4ADD-8801-0D06FADFA095}" type="slidenum">
+              <a:rPr lang="en-US" smtClean="0"/>
+              <a:t>11</a:t>
+            </a:fld>
+            <a:endParaRPr lang="en-US" dirty="0"/>
+          </a:p>
+        </p:txBody>
+      </p:sp>
+      <p:pic>
+        <p:nvPicPr>
+          <p:cNvPr id="6" name="Picture 5"/>
+          <p:cNvPicPr>
+            <a:picLocks noChangeAspect="1"/>
+          </p:cNvPicPr>
+          <p:nvPr/>
+        </p:nvPicPr>
+        <p:blipFill rotWithShape="1">
+          <a:blip r:embed="rId4">
+            <a:extLst>
+              <a:ext uri="{28A0092B-C50C-407E-A947-70E740481C1C}">
+                <a14:useLocalDpi xmlns:a14="http://schemas.microsoft.com/office/drawing/2010/main" val="0"/>
+              </a:ext>
+            </a:extLst>
+          </a:blip>
+          <a:srcRect l="9379" t="11606" r="9183" b="11463"/>
+          <a:stretch/>
+        </p:blipFill>
+        <p:spPr>
+          <a:xfrm>
+            <a:off x="847627" y="3458311"/>
+            <a:ext cx="7451126" cy="1804086"/>
+          </a:xfrm>
+          <a:prstGeom prst="rect">
+            <a:avLst/>
+          </a:prstGeom>
+        </p:spPr>
+      </p:pic>
+    </p:spTree>
+    <p:extLst>
+      <p:ext uri="{BB962C8B-B14F-4D97-AF65-F5344CB8AC3E}">
+        <p14:creationId xmlns:p14="http://schemas.microsoft.com/office/powerpoint/2010/main" val="478902130"/>
+      </p:ext>
+    </p:extLst>
+  </p:cSld>
+  <p:clrMapOvr>
+    <a:masterClrMapping/>
+  </p:clrMapOvr>
+</p:sld>
+</file>
+
 <file path=ppt/slides/slide2.xml><?xml version="1.0" encoding="utf-8"?>
 <p:sld xmlns:a="http://schemas.openxmlformats.org/drawingml/2006/main" xmlns:r="http://schemas.openxmlformats.org/officeDocument/2006/relationships" xmlns:p="http://schemas.openxmlformats.org/presentationml/2006/main">
   <p:cSld>
@@ -5199,7 +5654,7 @@
           <a:p>
             <a:r>
               <a:rPr lang="en-US"/>
-              <a:t>© 2018, FLL Tutorials (Last Edit 6/11/2018)</a:t>
+              <a:t>© 2022, FLL Tutorials</a:t>
             </a:r>
             <a:endParaRPr lang="en-US" dirty="0"/>
           </a:p>
@@ -5339,13 +5794,13 @@
         </p:nvSpPr>
         <p:spPr>
           <a:xfrm>
-            <a:off x="447147" y="1692887"/>
-            <a:ext cx="3687996" cy="3854944"/>
+            <a:off x="447146" y="1692887"/>
+            <a:ext cx="8239653" cy="3854944"/>
           </a:xfrm>
         </p:spPr>
         <p:txBody>
           <a:bodyPr>
-            <a:normAutofit fontScale="55000" lnSpcReduction="20000"/>
+            <a:normAutofit fontScale="85000" lnSpcReduction="20000"/>
           </a:bodyPr>
           <a:lstStyle/>
           <a:p>
@@ -5362,7 +5817,7 @@
             </a:pPr>
             <a:r>
               <a:rPr lang="en-US" dirty="0"/>
-              <a:t>Usually, FIRST LEGO League releases the theme for the following year around December of the previous competition season</a:t>
+              <a:t>Usually, FIRST LEGO League releases the theme during the World Championship in April.</a:t>
             </a:r>
           </a:p>
           <a:p>
@@ -5393,7 +5848,7 @@
             </a:pPr>
             <a:r>
               <a:rPr lang="en-US" dirty="0"/>
-              <a:t>FIRST also releases a video teaser on their YouTube channel</a:t>
+              <a:t>FIRST also releases several video teaser on their YouTube channel</a:t>
             </a:r>
           </a:p>
           <a:p>
@@ -5424,7 +5879,7 @@
             </a:pPr>
             <a:r>
               <a:rPr lang="en-US" dirty="0"/>
-              <a:t>You can start thinking about the </a:t>
+              <a:t>While you will not know the details of the challenge until August, you can start thinking about the </a:t>
             </a:r>
             <a:r>
               <a:rPr lang="en-US" i="1" dirty="0">
@@ -5436,7 +5891,7 @@
             </a:r>
             <a:r>
               <a:rPr lang="en-US" dirty="0"/>
-              <a:t> pretty early.</a:t>
+              <a:t> well in advance</a:t>
             </a:r>
           </a:p>
           <a:p>
@@ -5500,7 +5955,7 @@
           <a:p>
             <a:r>
               <a:rPr lang="en-US"/>
-              <a:t>© 2018, FLL Tutorials (Last Edit 6/11/2018)</a:t>
+              <a:t>© 2022, FLL Tutorials</a:t>
             </a:r>
             <a:endParaRPr lang="en-US" dirty="0"/>
           </a:p>
@@ -5529,66 +5984,6 @@
           </a:p>
         </p:txBody>
       </p:sp>
-      <p:pic>
-        <p:nvPicPr>
-          <p:cNvPr id="7" name="Picture 6"/>
-          <p:cNvPicPr>
-            <a:picLocks noChangeAspect="1"/>
-          </p:cNvPicPr>
-          <p:nvPr/>
-        </p:nvPicPr>
-        <p:blipFill>
-          <a:blip r:embed="rId2">
-            <a:extLst>
-              <a:ext uri="{28A0092B-C50C-407E-A947-70E740481C1C}">
-                <a14:useLocalDpi xmlns:a14="http://schemas.microsoft.com/office/drawing/2010/main" val="0"/>
-              </a:ext>
-            </a:extLst>
-          </a:blip>
-          <a:stretch>
-            <a:fillRect/>
-          </a:stretch>
-        </p:blipFill>
-        <p:spPr>
-          <a:xfrm>
-            <a:off x="4228348" y="1497583"/>
-            <a:ext cx="3572128" cy="2338510"/>
-          </a:xfrm>
-          <a:prstGeom prst="rect">
-            <a:avLst/>
-          </a:prstGeom>
-        </p:spPr>
-      </p:pic>
-      <p:pic>
-        <p:nvPicPr>
-          <p:cNvPr id="9" name="Picture 8" descr="A screenshot of a cell phone&#10;&#10;Description generated with very high confidence">
-            <a:extLst>
-              <a:ext uri="{FF2B5EF4-FFF2-40B4-BE49-F238E27FC236}">
-                <a16:creationId xmlns:a16="http://schemas.microsoft.com/office/drawing/2014/main" id="{01ECBE7A-F28F-4BF6-965B-3CEE064A7DBA}"/>
-              </a:ext>
-            </a:extLst>
-          </p:cNvPr>
-          <p:cNvPicPr>
-            <a:picLocks noChangeAspect="1"/>
-          </p:cNvPicPr>
-          <p:nvPr/>
-        </p:nvPicPr>
-        <p:blipFill>
-          <a:blip r:embed="rId3"/>
-          <a:stretch>
-            <a:fillRect/>
-          </a:stretch>
-        </p:blipFill>
-        <p:spPr>
-          <a:xfrm>
-            <a:off x="4346017" y="3766930"/>
-            <a:ext cx="4224927" cy="2262503"/>
-          </a:xfrm>
-          <a:prstGeom prst="rect">
-            <a:avLst/>
-          </a:prstGeom>
-        </p:spPr>
-      </p:pic>
     </p:spTree>
     <p:extLst>
       <p:ext uri="{BB962C8B-B14F-4D97-AF65-F5344CB8AC3E}">
@@ -5665,7 +6060,7 @@
           <a:p>
             <a:r>
               <a:rPr lang="en-US" dirty="0"/>
-              <a:t>Go on some early field trips to inspire project topics</a:t>
+              <a:t>Between April and August, try to go on some early field trips to inspire project topics</a:t>
             </a:r>
           </a:p>
           <a:p>
@@ -5710,7 +6105,7 @@
           <a:p>
             <a:r>
               <a:rPr lang="en-US"/>
-              <a:t>© 2018, FLL Tutorials (Last Edit 6/11/2018)</a:t>
+              <a:t>© 2022, FLL Tutorials</a:t>
             </a:r>
             <a:endParaRPr lang="en-US" dirty="0"/>
           </a:p>
@@ -5860,6 +6255,9 @@
             <a:endParaRPr lang="en-US" sz="2000" dirty="0"/>
           </a:p>
           <a:p>
+            <a:endParaRPr lang="en-US" sz="2000" dirty="0"/>
+          </a:p>
+          <a:p>
             <a:r>
               <a:rPr lang="en-US" sz="2000" dirty="0"/>
               <a:t>Sometimes, it calls for something specific (e.g. Senior Solutions required a Senior Partner for every team)</a:t>
@@ -5884,7 +6282,7 @@
           <a:p>
             <a:r>
               <a:rPr lang="en-US"/>
-              <a:t>© 2018, FLL Tutorials (Last Edit 6/11/2018)</a:t>
+              <a:t>© 2022, FLL Tutorials</a:t>
             </a:r>
             <a:endParaRPr lang="en-US" dirty="0"/>
           </a:p>
@@ -6033,7 +6431,13 @@
       </p:grpSpPr>
       <p:sp>
         <p:nvSpPr>
-          <p:cNvPr id="2" name="Title 1"/>
+          <p:cNvPr id="2" name="Title 1">
+            <a:extLst>
+              <a:ext uri="{FF2B5EF4-FFF2-40B4-BE49-F238E27FC236}">
+                <a16:creationId xmlns:a16="http://schemas.microsoft.com/office/drawing/2014/main" id="{8712EE20-3241-E42F-F095-F598E499B2E4}"/>
+              </a:ext>
+            </a:extLst>
+          </p:cNvPr>
           <p:cNvSpPr>
             <a:spLocks noGrp="1"/>
           </p:cNvSpPr>
@@ -6048,75 +6452,25 @@
           <a:p>
             <a:r>
               <a:rPr lang="en-US" dirty="0"/>
-              <a:t>Pick a Topic Everyone Agrees Upon</a:t>
-            </a:r>
-          </a:p>
-        </p:txBody>
-      </p:sp>
-      <p:sp>
-        <p:nvSpPr>
-          <p:cNvPr id="3" name="Content Placeholder 2"/>
+              <a:t>SUPERPOWERED PROMPT</a:t>
+            </a:r>
+          </a:p>
+        </p:txBody>
+      </p:sp>
+      <p:sp>
+        <p:nvSpPr>
+          <p:cNvPr id="3" name="Content Placeholder 2">
+            <a:extLst>
+              <a:ext uri="{FF2B5EF4-FFF2-40B4-BE49-F238E27FC236}">
+                <a16:creationId xmlns:a16="http://schemas.microsoft.com/office/drawing/2014/main" id="{DD660808-E580-9A5A-1751-5F8BA130A0A1}"/>
+              </a:ext>
+            </a:extLst>
+          </p:cNvPr>
           <p:cNvSpPr>
             <a:spLocks noGrp="1"/>
           </p:cNvSpPr>
           <p:nvPr>
             <p:ph idx="1"/>
-          </p:nvPr>
-        </p:nvSpPr>
-        <p:spPr>
-          <a:xfrm>
-            <a:off x="241739" y="1845734"/>
-            <a:ext cx="3811277" cy="4023360"/>
-          </a:xfrm>
-        </p:spPr>
-        <p:txBody>
-          <a:bodyPr>
-            <a:normAutofit fontScale="47500" lnSpcReduction="20000"/>
-          </a:bodyPr>
-          <a:lstStyle/>
-          <a:p>
-            <a:r>
-              <a:rPr lang="en-US" dirty="0"/>
-              <a:t>Everyone works on the project </a:t>
-            </a:r>
-          </a:p>
-          <a:p>
-            <a:pPr lvl="1"/>
-            <a:r>
-              <a:rPr lang="en-US" dirty="0"/>
-              <a:t>Pick a topic that all team members can agree on/are interested in</a:t>
-            </a:r>
-          </a:p>
-          <a:p>
-            <a:r>
-              <a:rPr lang="en-US" dirty="0"/>
-              <a:t>One idea is to have all team members do a little bit of research on their favorite topic and then present this topic to each other. </a:t>
-            </a:r>
-          </a:p>
-          <a:p>
-            <a:pPr lvl="1"/>
-            <a:r>
-              <a:rPr lang="en-US" dirty="0"/>
-              <a:t>Then the team decides which topic they are most interested in to pick for their team’s project.</a:t>
-            </a:r>
-          </a:p>
-          <a:p>
-            <a:pPr lvl="1"/>
-            <a:r>
-              <a:rPr lang="en-US" dirty="0"/>
-              <a:t>Next, the team identifies a specific problem within this topic</a:t>
-            </a:r>
-          </a:p>
-        </p:txBody>
-      </p:sp>
-      <p:sp>
-        <p:nvSpPr>
-          <p:cNvPr id="4" name="Footer Placeholder 3"/>
-          <p:cNvSpPr>
-            <a:spLocks noGrp="1"/>
-          </p:cNvSpPr>
-          <p:nvPr>
-            <p:ph type="ftr" sz="quarter" idx="11"/>
           </p:nvPr>
         </p:nvSpPr>
         <p:spPr/>
@@ -6124,9 +6478,34 @@
           <a:bodyPr/>
           <a:lstStyle/>
           <a:p>
+            <a:endParaRPr lang="en-US"/>
+          </a:p>
+        </p:txBody>
+      </p:sp>
+      <p:sp>
+        <p:nvSpPr>
+          <p:cNvPr id="4" name="Footer Placeholder 3">
+            <a:extLst>
+              <a:ext uri="{FF2B5EF4-FFF2-40B4-BE49-F238E27FC236}">
+                <a16:creationId xmlns:a16="http://schemas.microsoft.com/office/drawing/2014/main" id="{94B1E613-BA67-B7A9-3598-412FF93AC451}"/>
+              </a:ext>
+            </a:extLst>
+          </p:cNvPr>
+          <p:cNvSpPr>
+            <a:spLocks noGrp="1"/>
+          </p:cNvSpPr>
+          <p:nvPr>
+            <p:ph type="ftr" sz="quarter" idx="11"/>
+          </p:nvPr>
+        </p:nvSpPr>
+        <p:spPr/>
+        <p:txBody>
+          <a:bodyPr/>
+          <a:lstStyle/>
+          <a:p>
             <a:r>
               <a:rPr lang="en-US"/>
-              <a:t>© 2018, FLL Tutorials (Last Edit 6/11/2018)</a:t>
+              <a:t>© 2022, FLL Tutorials</a:t>
             </a:r>
             <a:endParaRPr lang="en-US" dirty="0"/>
           </a:p>
@@ -6134,7 +6513,13 @@
       </p:sp>
       <p:sp>
         <p:nvSpPr>
-          <p:cNvPr id="5" name="Slide Number Placeholder 4"/>
+          <p:cNvPr id="5" name="Slide Number Placeholder 4">
+            <a:extLst>
+              <a:ext uri="{FF2B5EF4-FFF2-40B4-BE49-F238E27FC236}">
+                <a16:creationId xmlns:a16="http://schemas.microsoft.com/office/drawing/2014/main" id="{1D5074B9-8B30-BCF0-7D6E-006DFAA86ACB}"/>
+              </a:ext>
+            </a:extLst>
+          </p:cNvPr>
           <p:cNvSpPr>
             <a:spLocks noGrp="1"/>
           </p:cNvSpPr>
@@ -6157,9 +6542,15 @@
       </p:sp>
       <p:pic>
         <p:nvPicPr>
-          <p:cNvPr id="6" name="Picture 5"/>
+          <p:cNvPr id="1026" name="Picture 2">
+            <a:extLst>
+              <a:ext uri="{FF2B5EF4-FFF2-40B4-BE49-F238E27FC236}">
+                <a16:creationId xmlns:a16="http://schemas.microsoft.com/office/drawing/2014/main" id="{B0BE7EA5-BD60-4C75-4176-E4445DD03E46}"/>
+              </a:ext>
+            </a:extLst>
+          </p:cNvPr>
           <p:cNvPicPr>
-            <a:picLocks noChangeAspect="1"/>
+            <a:picLocks noChangeAspect="1" noChangeArrowheads="1"/>
           </p:cNvPicPr>
           <p:nvPr/>
         </p:nvPicPr>
@@ -6171,24 +6562,172 @@
               </a:ext>
             </a:extLst>
           </a:blip>
+          <a:srcRect/>
           <a:stretch>
             <a:fillRect/>
           </a:stretch>
         </p:blipFill>
-        <p:spPr>
-          <a:xfrm>
-            <a:off x="4551095" y="2137718"/>
-            <a:ext cx="4283676" cy="3212757"/>
+        <p:spPr bwMode="auto">
+          <a:xfrm>
+            <a:off x="359778" y="1336405"/>
+            <a:ext cx="5961983" cy="1264918"/>
           </a:xfrm>
           <a:prstGeom prst="rect">
             <a:avLst/>
           </a:prstGeom>
+          <a:noFill/>
+          <a:extLst>
+            <a:ext uri="{909E8E84-426E-40DD-AFC4-6F175D3DCCD1}">
+              <a14:hiddenFill xmlns:a14="http://schemas.microsoft.com/office/drawing/2010/main">
+                <a:solidFill>
+                  <a:srgbClr val="FFFFFF"/>
+                </a:solidFill>
+              </a14:hiddenFill>
+            </a:ext>
+          </a:extLst>
+        </p:spPr>
+      </p:pic>
+      <p:pic>
+        <p:nvPicPr>
+          <p:cNvPr id="1027" name="Picture 3">
+            <a:extLst>
+              <a:ext uri="{FF2B5EF4-FFF2-40B4-BE49-F238E27FC236}">
+                <a16:creationId xmlns:a16="http://schemas.microsoft.com/office/drawing/2014/main" id="{B65D7A08-CD13-2FB3-45DE-A70478EC0976}"/>
+              </a:ext>
+            </a:extLst>
+          </p:cNvPr>
+          <p:cNvPicPr>
+            <a:picLocks noChangeAspect="1" noChangeArrowheads="1"/>
+          </p:cNvPicPr>
+          <p:nvPr/>
+        </p:nvPicPr>
+        <p:blipFill>
+          <a:blip r:embed="rId3">
+            <a:extLst>
+              <a:ext uri="{28A0092B-C50C-407E-A947-70E740481C1C}">
+                <a14:useLocalDpi xmlns:a14="http://schemas.microsoft.com/office/drawing/2010/main" val="0"/>
+              </a:ext>
+            </a:extLst>
+          </a:blip>
+          <a:srcRect/>
+          <a:stretch>
+            <a:fillRect/>
+          </a:stretch>
+        </p:blipFill>
+        <p:spPr bwMode="auto">
+          <a:xfrm>
+            <a:off x="4081651" y="4199565"/>
+            <a:ext cx="4156196" cy="2305703"/>
+          </a:xfrm>
+          <a:prstGeom prst="rect">
+            <a:avLst/>
+          </a:prstGeom>
+          <a:noFill/>
+          <a:extLst>
+            <a:ext uri="{909E8E84-426E-40DD-AFC4-6F175D3DCCD1}">
+              <a14:hiddenFill xmlns:a14="http://schemas.microsoft.com/office/drawing/2010/main">
+                <a:solidFill>
+                  <a:srgbClr val="FFFFFF"/>
+                </a:solidFill>
+              </a14:hiddenFill>
+            </a:ext>
+          </a:extLst>
+        </p:spPr>
+      </p:pic>
+      <p:pic>
+        <p:nvPicPr>
+          <p:cNvPr id="1028" name="Picture 4">
+            <a:extLst>
+              <a:ext uri="{FF2B5EF4-FFF2-40B4-BE49-F238E27FC236}">
+                <a16:creationId xmlns:a16="http://schemas.microsoft.com/office/drawing/2014/main" id="{B4B3EECA-3A1B-C5EE-F305-D39BE92958E5}"/>
+              </a:ext>
+            </a:extLst>
+          </p:cNvPr>
+          <p:cNvPicPr>
+            <a:picLocks noChangeAspect="1" noChangeArrowheads="1"/>
+          </p:cNvPicPr>
+          <p:nvPr/>
+        </p:nvPicPr>
+        <p:blipFill rotWithShape="1">
+          <a:blip r:embed="rId4">
+            <a:extLst>
+              <a:ext uri="{28A0092B-C50C-407E-A947-70E740481C1C}">
+                <a14:useLocalDpi xmlns:a14="http://schemas.microsoft.com/office/drawing/2010/main" val="0"/>
+              </a:ext>
+            </a:extLst>
+          </a:blip>
+          <a:srcRect b="30699"/>
+          <a:stretch/>
+        </p:blipFill>
+        <p:spPr bwMode="auto">
+          <a:xfrm>
+            <a:off x="448091" y="2432705"/>
+            <a:ext cx="3855685" cy="3850850"/>
+          </a:xfrm>
+          <a:prstGeom prst="rect">
+            <a:avLst/>
+          </a:prstGeom>
+          <a:noFill/>
+          <a:extLst>
+            <a:ext uri="{909E8E84-426E-40DD-AFC4-6F175D3DCCD1}">
+              <a14:hiddenFill xmlns:a14="http://schemas.microsoft.com/office/drawing/2010/main">
+                <a:solidFill>
+                  <a:srgbClr val="FFFFFF"/>
+                </a:solidFill>
+              </a14:hiddenFill>
+            </a:ext>
+          </a:extLst>
+        </p:spPr>
+      </p:pic>
+      <p:pic>
+        <p:nvPicPr>
+          <p:cNvPr id="6" name="Picture 4">
+            <a:extLst>
+              <a:ext uri="{FF2B5EF4-FFF2-40B4-BE49-F238E27FC236}">
+                <a16:creationId xmlns:a16="http://schemas.microsoft.com/office/drawing/2014/main" id="{1705D1B6-84CB-5693-E6F5-C2A716126C16}"/>
+              </a:ext>
+            </a:extLst>
+          </p:cNvPr>
+          <p:cNvPicPr>
+            <a:picLocks noChangeAspect="1" noChangeArrowheads="1"/>
+          </p:cNvPicPr>
+          <p:nvPr/>
+        </p:nvPicPr>
+        <p:blipFill rotWithShape="1">
+          <a:blip r:embed="rId4">
+            <a:extLst>
+              <a:ext uri="{28A0092B-C50C-407E-A947-70E740481C1C}">
+                <a14:useLocalDpi xmlns:a14="http://schemas.microsoft.com/office/drawing/2010/main" val="0"/>
+              </a:ext>
+            </a:extLst>
+          </a:blip>
+          <a:srcRect t="68175"/>
+          <a:stretch/>
+        </p:blipFill>
+        <p:spPr bwMode="auto">
+          <a:xfrm>
+            <a:off x="4081651" y="2473589"/>
+            <a:ext cx="4041604" cy="1853710"/>
+          </a:xfrm>
+          <a:prstGeom prst="rect">
+            <a:avLst/>
+          </a:prstGeom>
+          <a:noFill/>
+          <a:extLst>
+            <a:ext uri="{909E8E84-426E-40DD-AFC4-6F175D3DCCD1}">
+              <a14:hiddenFill xmlns:a14="http://schemas.microsoft.com/office/drawing/2010/main">
+                <a:solidFill>
+                  <a:srgbClr val="FFFFFF"/>
+                </a:solidFill>
+              </a14:hiddenFill>
+            </a:ext>
+          </a:extLst>
         </p:spPr>
       </p:pic>
     </p:spTree>
     <p:extLst>
       <p:ext uri="{BB962C8B-B14F-4D97-AF65-F5344CB8AC3E}">
-        <p14:creationId xmlns:p14="http://schemas.microsoft.com/office/powerpoint/2010/main" val="1553878067"/>
+        <p14:creationId xmlns:p14="http://schemas.microsoft.com/office/powerpoint/2010/main" val="3755283977"/>
       </p:ext>
     </p:extLst>
   </p:cSld>
@@ -6217,7 +6756,13 @@
       </p:grpSpPr>
       <p:sp>
         <p:nvSpPr>
-          <p:cNvPr id="2" name="Title 1"/>
+          <p:cNvPr id="2" name="Title 1">
+            <a:extLst>
+              <a:ext uri="{FF2B5EF4-FFF2-40B4-BE49-F238E27FC236}">
+                <a16:creationId xmlns:a16="http://schemas.microsoft.com/office/drawing/2014/main" id="{334C3BD4-8AD4-9196-029D-8F02CA3483FE}"/>
+              </a:ext>
+            </a:extLst>
+          </p:cNvPr>
           <p:cNvSpPr>
             <a:spLocks noGrp="1"/>
           </p:cNvSpPr>
@@ -6232,29 +6777,80 @@
           <a:p>
             <a:r>
               <a:rPr lang="en-US" dirty="0"/>
-              <a:t>“Identifying a Problem” Process</a:t>
-            </a:r>
-          </a:p>
-        </p:txBody>
-      </p:sp>
-      <p:sp>
-        <p:nvSpPr>
-          <p:cNvPr id="4" name="Footer Placeholder 3"/>
-          <p:cNvSpPr>
-            <a:spLocks noGrp="1"/>
-          </p:cNvSpPr>
-          <p:nvPr>
-            <p:ph type="ftr" sz="quarter" idx="11"/>
-          </p:nvPr>
-        </p:nvSpPr>
-        <p:spPr/>
+              <a:t>PICK A PROBLEM That is meaningful</a:t>
+            </a:r>
+          </a:p>
+        </p:txBody>
+      </p:sp>
+      <p:sp>
+        <p:nvSpPr>
+          <p:cNvPr id="3" name="Content Placeholder 2">
+            <a:extLst>
+              <a:ext uri="{FF2B5EF4-FFF2-40B4-BE49-F238E27FC236}">
+                <a16:creationId xmlns:a16="http://schemas.microsoft.com/office/drawing/2014/main" id="{FE6725C0-FD61-23D3-B8C2-15095335671B}"/>
+              </a:ext>
+            </a:extLst>
+          </p:cNvPr>
+          <p:cNvSpPr>
+            <a:spLocks noGrp="1"/>
+          </p:cNvSpPr>
+          <p:nvPr>
+            <p:ph idx="1"/>
+          </p:nvPr>
+        </p:nvSpPr>
+        <p:spPr>
+          <a:xfrm>
+            <a:off x="448092" y="1505583"/>
+            <a:ext cx="8122852" cy="4353215"/>
+          </a:xfrm>
+        </p:spPr>
         <p:txBody>
           <a:bodyPr/>
           <a:lstStyle/>
           <a:p>
             <a:r>
+              <a:rPr lang="en-US" dirty="0"/>
+              <a:t>Always think of a problem first, not the solution</a:t>
+            </a:r>
+          </a:p>
+          <a:p>
+            <a:r>
+              <a:rPr lang="en-US" dirty="0"/>
+              <a:t>The problem can be as small or big as you want</a:t>
+            </a:r>
+          </a:p>
+          <a:p>
+            <a:r>
+              <a:rPr lang="en-US" dirty="0"/>
+              <a:t>Most students relate better to local problems that impact their lives</a:t>
+            </a:r>
+          </a:p>
+        </p:txBody>
+      </p:sp>
+      <p:sp>
+        <p:nvSpPr>
+          <p:cNvPr id="4" name="Footer Placeholder 3">
+            <a:extLst>
+              <a:ext uri="{FF2B5EF4-FFF2-40B4-BE49-F238E27FC236}">
+                <a16:creationId xmlns:a16="http://schemas.microsoft.com/office/drawing/2014/main" id="{E1BF5329-24EB-F0E6-22A4-10CB54EF6667}"/>
+              </a:ext>
+            </a:extLst>
+          </p:cNvPr>
+          <p:cNvSpPr>
+            <a:spLocks noGrp="1"/>
+          </p:cNvSpPr>
+          <p:nvPr>
+            <p:ph type="ftr" sz="quarter" idx="11"/>
+          </p:nvPr>
+        </p:nvSpPr>
+        <p:spPr/>
+        <p:txBody>
+          <a:bodyPr/>
+          <a:lstStyle/>
+          <a:p>
+            <a:r>
               <a:rPr lang="en-US"/>
-              <a:t>© 2018, FLL Tutorials (Last Edit 6/11/2018)</a:t>
+              <a:t>© 2022, FLL Tutorials</a:t>
             </a:r>
             <a:endParaRPr lang="en-US" dirty="0"/>
           </a:p>
@@ -6262,7 +6858,13 @@
       </p:sp>
       <p:sp>
         <p:nvSpPr>
-          <p:cNvPr id="5" name="Slide Number Placeholder 4"/>
+          <p:cNvPr id="5" name="Slide Number Placeholder 4">
+            <a:extLst>
+              <a:ext uri="{FF2B5EF4-FFF2-40B4-BE49-F238E27FC236}">
+                <a16:creationId xmlns:a16="http://schemas.microsoft.com/office/drawing/2014/main" id="{1DB50EBA-04BD-45C2-F4B5-B29575E72451}"/>
+              </a:ext>
+            </a:extLst>
+          </p:cNvPr>
           <p:cNvSpPr>
             <a:spLocks noGrp="1"/>
           </p:cNvSpPr>
@@ -6278,6 +6880,288 @@
             <a:fld id="{6D22F896-40B5-4ADD-8801-0D06FADFA095}" type="slidenum">
               <a:rPr lang="en-US" smtClean="0"/>
               <a:t>7</a:t>
+            </a:fld>
+            <a:endParaRPr lang="en-US" dirty="0"/>
+          </a:p>
+        </p:txBody>
+      </p:sp>
+    </p:spTree>
+    <p:extLst>
+      <p:ext uri="{BB962C8B-B14F-4D97-AF65-F5344CB8AC3E}">
+        <p14:creationId xmlns:p14="http://schemas.microsoft.com/office/powerpoint/2010/main" val="1479210244"/>
+      </p:ext>
+    </p:extLst>
+  </p:cSld>
+  <p:clrMapOvr>
+    <a:masterClrMapping/>
+  </p:clrMapOvr>
+</p:sld>
+</file>
+
+<file path=ppt/slides/slide8.xml><?xml version="1.0" encoding="utf-8"?>
+<p:sld xmlns:a="http://schemas.openxmlformats.org/drawingml/2006/main" xmlns:r="http://schemas.openxmlformats.org/officeDocument/2006/relationships" xmlns:p="http://schemas.openxmlformats.org/presentationml/2006/main">
+  <p:cSld>
+    <p:spTree>
+      <p:nvGrpSpPr>
+        <p:cNvPr id="1" name=""/>
+        <p:cNvGrpSpPr/>
+        <p:nvPr/>
+      </p:nvGrpSpPr>
+      <p:grpSpPr>
+        <a:xfrm>
+          <a:off x="0" y="0"/>
+          <a:ext cx="0" cy="0"/>
+          <a:chOff x="0" y="0"/>
+          <a:chExt cx="0" cy="0"/>
+        </a:xfrm>
+      </p:grpSpPr>
+      <p:sp>
+        <p:nvSpPr>
+          <p:cNvPr id="2" name="Title 1"/>
+          <p:cNvSpPr>
+            <a:spLocks noGrp="1"/>
+          </p:cNvSpPr>
+          <p:nvPr>
+            <p:ph type="title"/>
+          </p:nvPr>
+        </p:nvSpPr>
+        <p:spPr/>
+        <p:txBody>
+          <a:bodyPr/>
+          <a:lstStyle/>
+          <a:p>
+            <a:r>
+              <a:rPr lang="en-US" dirty="0"/>
+              <a:t>Pick a Topic Everyone Agrees Upon</a:t>
+            </a:r>
+          </a:p>
+        </p:txBody>
+      </p:sp>
+      <p:sp>
+        <p:nvSpPr>
+          <p:cNvPr id="3" name="Content Placeholder 2"/>
+          <p:cNvSpPr>
+            <a:spLocks noGrp="1"/>
+          </p:cNvSpPr>
+          <p:nvPr>
+            <p:ph idx="1"/>
+          </p:nvPr>
+        </p:nvSpPr>
+        <p:spPr>
+          <a:xfrm>
+            <a:off x="241739" y="1845733"/>
+            <a:ext cx="3811277" cy="4324791"/>
+          </a:xfrm>
+        </p:spPr>
+        <p:txBody>
+          <a:bodyPr>
+            <a:normAutofit fontScale="92500" lnSpcReduction="10000"/>
+          </a:bodyPr>
+          <a:lstStyle/>
+          <a:p>
+            <a:r>
+              <a:rPr lang="en-US" sz="2000" dirty="0"/>
+              <a:t>Everyone works on the project </a:t>
+            </a:r>
+          </a:p>
+          <a:p>
+            <a:pPr lvl="1"/>
+            <a:r>
+              <a:rPr lang="en-US" sz="1800" dirty="0"/>
+              <a:t>Pick a topic that all team members can agree on/are interested in</a:t>
+            </a:r>
+          </a:p>
+          <a:p>
+            <a:r>
+              <a:rPr lang="en-US" sz="2000" dirty="0"/>
+              <a:t>One idea is to have all team members do a little bit of research on their favorite topic and then present this topic to each other. </a:t>
+            </a:r>
+          </a:p>
+          <a:p>
+            <a:pPr lvl="1"/>
+            <a:r>
+              <a:rPr lang="en-US" sz="1800" dirty="0"/>
+              <a:t>Then the team decides which topic they are most interested in to pick for their team’s project.</a:t>
+            </a:r>
+          </a:p>
+          <a:p>
+            <a:pPr lvl="1"/>
+            <a:r>
+              <a:rPr lang="en-US" sz="1800" dirty="0"/>
+              <a:t>Next, the team identifies a specific problem within this topic</a:t>
+            </a:r>
+          </a:p>
+        </p:txBody>
+      </p:sp>
+      <p:sp>
+        <p:nvSpPr>
+          <p:cNvPr id="4" name="Footer Placeholder 3"/>
+          <p:cNvSpPr>
+            <a:spLocks noGrp="1"/>
+          </p:cNvSpPr>
+          <p:nvPr>
+            <p:ph type="ftr" sz="quarter" idx="11"/>
+          </p:nvPr>
+        </p:nvSpPr>
+        <p:spPr/>
+        <p:txBody>
+          <a:bodyPr/>
+          <a:lstStyle/>
+          <a:p>
+            <a:r>
+              <a:rPr lang="en-US"/>
+              <a:t>© 2022, FLL Tutorials</a:t>
+            </a:r>
+            <a:endParaRPr lang="en-US" dirty="0"/>
+          </a:p>
+        </p:txBody>
+      </p:sp>
+      <p:sp>
+        <p:nvSpPr>
+          <p:cNvPr id="5" name="Slide Number Placeholder 4"/>
+          <p:cNvSpPr>
+            <a:spLocks noGrp="1"/>
+          </p:cNvSpPr>
+          <p:nvPr>
+            <p:ph type="sldNum" sz="quarter" idx="12"/>
+          </p:nvPr>
+        </p:nvSpPr>
+        <p:spPr/>
+        <p:txBody>
+          <a:bodyPr/>
+          <a:lstStyle/>
+          <a:p>
+            <a:fld id="{6D22F896-40B5-4ADD-8801-0D06FADFA095}" type="slidenum">
+              <a:rPr lang="en-US" smtClean="0"/>
+              <a:t>8</a:t>
+            </a:fld>
+            <a:endParaRPr lang="en-US" dirty="0"/>
+          </a:p>
+        </p:txBody>
+      </p:sp>
+      <p:pic>
+        <p:nvPicPr>
+          <p:cNvPr id="6" name="Picture 5"/>
+          <p:cNvPicPr>
+            <a:picLocks noChangeAspect="1"/>
+          </p:cNvPicPr>
+          <p:nvPr/>
+        </p:nvPicPr>
+        <p:blipFill>
+          <a:blip r:embed="rId2">
+            <a:extLst>
+              <a:ext uri="{28A0092B-C50C-407E-A947-70E740481C1C}">
+                <a14:useLocalDpi xmlns:a14="http://schemas.microsoft.com/office/drawing/2010/main" val="0"/>
+              </a:ext>
+            </a:extLst>
+          </a:blip>
+          <a:stretch>
+            <a:fillRect/>
+          </a:stretch>
+        </p:blipFill>
+        <p:spPr>
+          <a:xfrm>
+            <a:off x="4551095" y="2137718"/>
+            <a:ext cx="4283676" cy="3212757"/>
+          </a:xfrm>
+          <a:prstGeom prst="rect">
+            <a:avLst/>
+          </a:prstGeom>
+        </p:spPr>
+      </p:pic>
+    </p:spTree>
+    <p:extLst>
+      <p:ext uri="{BB962C8B-B14F-4D97-AF65-F5344CB8AC3E}">
+        <p14:creationId xmlns:p14="http://schemas.microsoft.com/office/powerpoint/2010/main" val="1553878067"/>
+      </p:ext>
+    </p:extLst>
+  </p:cSld>
+  <p:clrMapOvr>
+    <a:masterClrMapping/>
+  </p:clrMapOvr>
+</p:sld>
+</file>
+
+<file path=ppt/slides/slide9.xml><?xml version="1.0" encoding="utf-8"?>
+<p:sld xmlns:a="http://schemas.openxmlformats.org/drawingml/2006/main" xmlns:r="http://schemas.openxmlformats.org/officeDocument/2006/relationships" xmlns:p="http://schemas.openxmlformats.org/presentationml/2006/main">
+  <p:cSld>
+    <p:spTree>
+      <p:nvGrpSpPr>
+        <p:cNvPr id="1" name=""/>
+        <p:cNvGrpSpPr/>
+        <p:nvPr/>
+      </p:nvGrpSpPr>
+      <p:grpSpPr>
+        <a:xfrm>
+          <a:off x="0" y="0"/>
+          <a:ext cx="0" cy="0"/>
+          <a:chOff x="0" y="0"/>
+          <a:chExt cx="0" cy="0"/>
+        </a:xfrm>
+      </p:grpSpPr>
+      <p:sp>
+        <p:nvSpPr>
+          <p:cNvPr id="2" name="Title 1"/>
+          <p:cNvSpPr>
+            <a:spLocks noGrp="1"/>
+          </p:cNvSpPr>
+          <p:nvPr>
+            <p:ph type="title"/>
+          </p:nvPr>
+        </p:nvSpPr>
+        <p:spPr/>
+        <p:txBody>
+          <a:bodyPr/>
+          <a:lstStyle/>
+          <a:p>
+            <a:r>
+              <a:rPr lang="en-US" dirty="0"/>
+              <a:t>“Identifying a Problem” Process</a:t>
+            </a:r>
+          </a:p>
+        </p:txBody>
+      </p:sp>
+      <p:sp>
+        <p:nvSpPr>
+          <p:cNvPr id="4" name="Footer Placeholder 3"/>
+          <p:cNvSpPr>
+            <a:spLocks noGrp="1"/>
+          </p:cNvSpPr>
+          <p:nvPr>
+            <p:ph type="ftr" sz="quarter" idx="11"/>
+          </p:nvPr>
+        </p:nvSpPr>
+        <p:spPr/>
+        <p:txBody>
+          <a:bodyPr/>
+          <a:lstStyle/>
+          <a:p>
+            <a:r>
+              <a:rPr lang="en-US"/>
+              <a:t>© 2022, FLL Tutorials</a:t>
+            </a:r>
+            <a:endParaRPr lang="en-US" dirty="0"/>
+          </a:p>
+        </p:txBody>
+      </p:sp>
+      <p:sp>
+        <p:nvSpPr>
+          <p:cNvPr id="5" name="Slide Number Placeholder 4"/>
+          <p:cNvSpPr>
+            <a:spLocks noGrp="1"/>
+          </p:cNvSpPr>
+          <p:nvPr>
+            <p:ph type="sldNum" sz="quarter" idx="12"/>
+          </p:nvPr>
+        </p:nvSpPr>
+        <p:spPr/>
+        <p:txBody>
+          <a:bodyPr/>
+          <a:lstStyle/>
+          <a:p>
+            <a:fld id="{6D22F896-40B5-4ADD-8801-0D06FADFA095}" type="slidenum">
+              <a:rPr lang="en-US" smtClean="0"/>
+              <a:t>9</a:t>
             </a:fld>
             <a:endParaRPr lang="en-US" dirty="0"/>
           </a:p>
@@ -7592,459 +8476,6 @@
     <p:extLst>
       <p:ext uri="{BB962C8B-B14F-4D97-AF65-F5344CB8AC3E}">
         <p14:creationId xmlns:p14="http://schemas.microsoft.com/office/powerpoint/2010/main" val="2043111731"/>
-      </p:ext>
-    </p:extLst>
-  </p:cSld>
-  <p:clrMapOvr>
-    <a:masterClrMapping/>
-  </p:clrMapOvr>
-</p:sld>
-</file>
-
-<file path=ppt/slides/slide8.xml><?xml version="1.0" encoding="utf-8"?>
-<p:sld xmlns:a="http://schemas.openxmlformats.org/drawingml/2006/main" xmlns:r="http://schemas.openxmlformats.org/officeDocument/2006/relationships" xmlns:p="http://schemas.openxmlformats.org/presentationml/2006/main">
-  <p:cSld>
-    <p:spTree>
-      <p:nvGrpSpPr>
-        <p:cNvPr id="1" name=""/>
-        <p:cNvGrpSpPr/>
-        <p:nvPr/>
-      </p:nvGrpSpPr>
-      <p:grpSpPr>
-        <a:xfrm>
-          <a:off x="0" y="0"/>
-          <a:ext cx="0" cy="0"/>
-          <a:chOff x="0" y="0"/>
-          <a:chExt cx="0" cy="0"/>
-        </a:xfrm>
-      </p:grpSpPr>
-      <p:sp>
-        <p:nvSpPr>
-          <p:cNvPr id="2" name="Title 1"/>
-          <p:cNvSpPr>
-            <a:spLocks noGrp="1"/>
-          </p:cNvSpPr>
-          <p:nvPr>
-            <p:ph type="title"/>
-          </p:nvPr>
-        </p:nvSpPr>
-        <p:spPr/>
-        <p:txBody>
-          <a:bodyPr/>
-          <a:lstStyle/>
-          <a:p>
-            <a:r>
-              <a:rPr lang="en-US" dirty="0"/>
-              <a:t>Sample Topics in Animal Allies</a:t>
-            </a:r>
-          </a:p>
-        </p:txBody>
-      </p:sp>
-      <p:sp>
-        <p:nvSpPr>
-          <p:cNvPr id="3" name="Content Placeholder 2"/>
-          <p:cNvSpPr>
-            <a:spLocks noGrp="1"/>
-          </p:cNvSpPr>
-          <p:nvPr>
-            <p:ph idx="1"/>
-          </p:nvPr>
-        </p:nvSpPr>
-        <p:spPr>
-          <a:xfrm>
-            <a:off x="241739" y="1845734"/>
-            <a:ext cx="4639180" cy="4023360"/>
-          </a:xfrm>
-        </p:spPr>
-        <p:txBody>
-          <a:bodyPr>
-            <a:normAutofit fontScale="47500" lnSpcReduction="20000"/>
-          </a:bodyPr>
-          <a:lstStyle/>
-          <a:p>
-            <a:pPr lvl="1"/>
-            <a:r>
-              <a:rPr lang="en-US" dirty="0"/>
-              <a:t>Chimney Swifts losing their homes</a:t>
-            </a:r>
-          </a:p>
-          <a:p>
-            <a:pPr lvl="1"/>
-            <a:r>
-              <a:rPr lang="en-US" dirty="0"/>
-              <a:t>Training therapy dogs</a:t>
-            </a:r>
-          </a:p>
-          <a:p>
-            <a:pPr lvl="1"/>
-            <a:r>
-              <a:rPr lang="en-US" dirty="0"/>
-              <a:t>K-9 dogs helping the police</a:t>
-            </a:r>
-          </a:p>
-          <a:p>
-            <a:pPr lvl="1"/>
-            <a:r>
-              <a:rPr lang="en-US" dirty="0"/>
-              <a:t>Monitoring bee hives to keep them healthy</a:t>
-            </a:r>
-          </a:p>
-          <a:p>
-            <a:pPr lvl="1"/>
-            <a:r>
-              <a:rPr lang="en-US" dirty="0"/>
-              <a:t>Bears getting into trash cans</a:t>
-            </a:r>
-          </a:p>
-          <a:p>
-            <a:pPr lvl="1"/>
-            <a:r>
-              <a:rPr lang="en-US" dirty="0"/>
-              <a:t>Finding lost dogs</a:t>
-            </a:r>
-          </a:p>
-          <a:p>
-            <a:pPr lvl="1"/>
-            <a:r>
-              <a:rPr lang="en-US" dirty="0"/>
-              <a:t>Preventing Lyme disease from deer ticks</a:t>
-            </a:r>
-          </a:p>
-          <a:p>
-            <a:pPr lvl="1"/>
-            <a:r>
-              <a:rPr lang="en-US" dirty="0"/>
-              <a:t>Helping baby turtles find their way to the ocean</a:t>
-            </a:r>
-          </a:p>
-          <a:p>
-            <a:pPr lvl="1"/>
-            <a:r>
-              <a:rPr lang="en-US" dirty="0"/>
-              <a:t>Cow tagging</a:t>
-            </a:r>
-          </a:p>
-          <a:p>
-            <a:pPr lvl="1"/>
-            <a:r>
-              <a:rPr lang="en-US" dirty="0"/>
-              <a:t>Animals drinking from polluted city water</a:t>
-            </a:r>
-          </a:p>
-          <a:p>
-            <a:pPr lvl="1"/>
-            <a:r>
-              <a:rPr lang="en-US" dirty="0"/>
-              <a:t>Keeping horses hydrated (Global Innovation award winner 2017)</a:t>
-            </a:r>
-          </a:p>
-          <a:p>
-            <a:pPr lvl="1"/>
-            <a:endParaRPr lang="en-US" dirty="0"/>
-          </a:p>
-          <a:p>
-            <a:pPr lvl="1"/>
-            <a:endParaRPr lang="en-US" dirty="0"/>
-          </a:p>
-          <a:p>
-            <a:pPr lvl="1"/>
-            <a:endParaRPr lang="en-US" dirty="0"/>
-          </a:p>
-          <a:p>
-            <a:pPr lvl="1"/>
-            <a:endParaRPr lang="en-US" dirty="0"/>
-          </a:p>
-        </p:txBody>
-      </p:sp>
-      <p:sp>
-        <p:nvSpPr>
-          <p:cNvPr id="4" name="Footer Placeholder 3"/>
-          <p:cNvSpPr>
-            <a:spLocks noGrp="1"/>
-          </p:cNvSpPr>
-          <p:nvPr>
-            <p:ph type="ftr" sz="quarter" idx="11"/>
-          </p:nvPr>
-        </p:nvSpPr>
-        <p:spPr/>
-        <p:txBody>
-          <a:bodyPr/>
-          <a:lstStyle/>
-          <a:p>
-            <a:r>
-              <a:rPr lang="en-US"/>
-              <a:t>© 2018, FLL Tutorials (Last Edit 6/11/2018)</a:t>
-            </a:r>
-            <a:endParaRPr lang="en-US" dirty="0"/>
-          </a:p>
-        </p:txBody>
-      </p:sp>
-      <p:sp>
-        <p:nvSpPr>
-          <p:cNvPr id="5" name="Slide Number Placeholder 4"/>
-          <p:cNvSpPr>
-            <a:spLocks noGrp="1"/>
-          </p:cNvSpPr>
-          <p:nvPr>
-            <p:ph type="sldNum" sz="quarter" idx="12"/>
-          </p:nvPr>
-        </p:nvSpPr>
-        <p:spPr/>
-        <p:txBody>
-          <a:bodyPr/>
-          <a:lstStyle/>
-          <a:p>
-            <a:fld id="{6D22F896-40B5-4ADD-8801-0D06FADFA095}" type="slidenum">
-              <a:rPr lang="en-US" smtClean="0"/>
-              <a:t>8</a:t>
-            </a:fld>
-            <a:endParaRPr lang="en-US" dirty="0"/>
-          </a:p>
-        </p:txBody>
-      </p:sp>
-      <p:pic>
-        <p:nvPicPr>
-          <p:cNvPr id="7" name="Picture 6"/>
-          <p:cNvPicPr>
-            <a:picLocks noChangeAspect="1"/>
-          </p:cNvPicPr>
-          <p:nvPr/>
-        </p:nvPicPr>
-        <p:blipFill>
-          <a:blip r:embed="rId2">
-            <a:extLst>
-              <a:ext uri="{28A0092B-C50C-407E-A947-70E740481C1C}">
-                <a14:useLocalDpi xmlns:a14="http://schemas.microsoft.com/office/drawing/2010/main" val="0"/>
-              </a:ext>
-            </a:extLst>
-          </a:blip>
-          <a:stretch>
-            <a:fillRect/>
-          </a:stretch>
-        </p:blipFill>
-        <p:spPr>
-          <a:xfrm>
-            <a:off x="4880919" y="1950994"/>
-            <a:ext cx="3975100" cy="3289300"/>
-          </a:xfrm>
-          <a:prstGeom prst="rect">
-            <a:avLst/>
-          </a:prstGeom>
-        </p:spPr>
-      </p:pic>
-      <p:sp>
-        <p:nvSpPr>
-          <p:cNvPr id="8" name="TextBox 7"/>
-          <p:cNvSpPr txBox="1"/>
-          <p:nvPr/>
-        </p:nvSpPr>
-        <p:spPr>
-          <a:xfrm>
-            <a:off x="137297" y="5928838"/>
-            <a:ext cx="8272066" cy="307777"/>
-          </a:xfrm>
-          <a:prstGeom prst="rect">
-            <a:avLst/>
-          </a:prstGeom>
-          <a:noFill/>
-        </p:spPr>
-        <p:txBody>
-          <a:bodyPr wrap="square" rtlCol="0">
-            <a:spAutoFit/>
-          </a:bodyPr>
-          <a:lstStyle/>
-          <a:p>
-            <a:r>
-              <a:rPr lang="en-US" sz="1400" dirty="0"/>
-              <a:t>Sample topics from teams that participated in FIRST LEGO League Animal Allies</a:t>
-            </a:r>
-          </a:p>
-        </p:txBody>
-      </p:sp>
-    </p:spTree>
-    <p:extLst>
-      <p:ext uri="{BB962C8B-B14F-4D97-AF65-F5344CB8AC3E}">
-        <p14:creationId xmlns:p14="http://schemas.microsoft.com/office/powerpoint/2010/main" val="1438492606"/>
-      </p:ext>
-    </p:extLst>
-  </p:cSld>
-  <p:clrMapOvr>
-    <a:masterClrMapping/>
-  </p:clrMapOvr>
-</p:sld>
-</file>
-
-<file path=ppt/slides/slide9.xml><?xml version="1.0" encoding="utf-8"?>
-<p:sld xmlns:a="http://schemas.openxmlformats.org/drawingml/2006/main" xmlns:r="http://schemas.openxmlformats.org/officeDocument/2006/relationships" xmlns:p="http://schemas.openxmlformats.org/presentationml/2006/main">
-  <p:cSld>
-    <p:spTree>
-      <p:nvGrpSpPr>
-        <p:cNvPr id="1" name=""/>
-        <p:cNvGrpSpPr/>
-        <p:nvPr/>
-      </p:nvGrpSpPr>
-      <p:grpSpPr>
-        <a:xfrm>
-          <a:off x="0" y="0"/>
-          <a:ext cx="0" cy="0"/>
-          <a:chOff x="0" y="0"/>
-          <a:chExt cx="0" cy="0"/>
-        </a:xfrm>
-      </p:grpSpPr>
-      <p:sp>
-        <p:nvSpPr>
-          <p:cNvPr id="2" name="Title 1"/>
-          <p:cNvSpPr>
-            <a:spLocks noGrp="1"/>
-          </p:cNvSpPr>
-          <p:nvPr>
-            <p:ph type="title"/>
-          </p:nvPr>
-        </p:nvSpPr>
-        <p:spPr/>
-        <p:txBody>
-          <a:bodyPr/>
-          <a:lstStyle/>
-          <a:p>
-            <a:r>
-              <a:rPr lang="en-US" dirty="0"/>
-              <a:t>Credits</a:t>
-            </a:r>
-          </a:p>
-        </p:txBody>
-      </p:sp>
-      <p:sp>
-        <p:nvSpPr>
-          <p:cNvPr id="3" name="Content Placeholder 2"/>
-          <p:cNvSpPr>
-            <a:spLocks noGrp="1"/>
-          </p:cNvSpPr>
-          <p:nvPr>
-            <p:ph idx="1"/>
-          </p:nvPr>
-        </p:nvSpPr>
-        <p:spPr/>
-        <p:txBody>
-          <a:bodyPr>
-            <a:normAutofit/>
-          </a:bodyPr>
-          <a:lstStyle/>
-          <a:p>
-            <a:r>
-              <a:rPr lang="en-US" sz="2800" dirty="0"/>
-              <a:t>This lesson was written by Sanjay and Arvind Seshan</a:t>
-            </a:r>
-          </a:p>
-          <a:p>
-            <a:r>
-              <a:rPr lang="en-US" sz="2800" dirty="0"/>
-              <a:t>More lessons available at </a:t>
-            </a:r>
-            <a:r>
-              <a:rPr lang="en-US" sz="2800" dirty="0">
-                <a:hlinkClick r:id="rId2"/>
-              </a:rPr>
-              <a:t>www.ev3lessons.com</a:t>
-            </a:r>
-            <a:r>
-              <a:rPr lang="en-US" sz="2800" dirty="0"/>
-              <a:t> and </a:t>
-            </a:r>
-            <a:r>
-              <a:rPr lang="en-US" sz="2800" dirty="0">
-                <a:hlinkClick r:id="rId3"/>
-              </a:rPr>
-              <a:t>www.flltutorials.com</a:t>
-            </a:r>
-            <a:endParaRPr lang="en-US" sz="2800" dirty="0"/>
-          </a:p>
-          <a:p>
-            <a:endParaRPr lang="en-US" sz="2800" dirty="0"/>
-          </a:p>
-          <a:p>
-            <a:endParaRPr lang="en-US" sz="2800" dirty="0"/>
-          </a:p>
-        </p:txBody>
-      </p:sp>
-      <p:sp>
-        <p:nvSpPr>
-          <p:cNvPr id="4" name="Footer Placeholder 3"/>
-          <p:cNvSpPr>
-            <a:spLocks noGrp="1"/>
-          </p:cNvSpPr>
-          <p:nvPr>
-            <p:ph type="ftr" sz="quarter" idx="11"/>
-          </p:nvPr>
-        </p:nvSpPr>
-        <p:spPr/>
-        <p:txBody>
-          <a:bodyPr/>
-          <a:lstStyle/>
-          <a:p>
-            <a:r>
-              <a:rPr lang="en-US"/>
-              <a:t>© 2018, FLL Tutorials (Last Edit 6/11/2018)</a:t>
-            </a:r>
-            <a:endParaRPr lang="en-US" dirty="0"/>
-          </a:p>
-        </p:txBody>
-      </p:sp>
-      <p:sp>
-        <p:nvSpPr>
-          <p:cNvPr id="5" name="Slide Number Placeholder 4"/>
-          <p:cNvSpPr>
-            <a:spLocks noGrp="1"/>
-          </p:cNvSpPr>
-          <p:nvPr>
-            <p:ph type="sldNum" sz="quarter" idx="12"/>
-          </p:nvPr>
-        </p:nvSpPr>
-        <p:spPr/>
-        <p:txBody>
-          <a:bodyPr/>
-          <a:lstStyle/>
-          <a:p>
-            <a:fld id="{6D22F896-40B5-4ADD-8801-0D06FADFA095}" type="slidenum">
-              <a:rPr lang="en-US" smtClean="0"/>
-              <a:t>9</a:t>
-            </a:fld>
-            <a:endParaRPr lang="en-US" dirty="0"/>
-          </a:p>
-        </p:txBody>
-      </p:sp>
-      <p:pic>
-        <p:nvPicPr>
-          <p:cNvPr id="6" name="Picture 5"/>
-          <p:cNvPicPr>
-            <a:picLocks noChangeAspect="1"/>
-          </p:cNvPicPr>
-          <p:nvPr/>
-        </p:nvPicPr>
-        <p:blipFill rotWithShape="1">
-          <a:blip r:embed="rId4">
-            <a:extLst>
-              <a:ext uri="{28A0092B-C50C-407E-A947-70E740481C1C}">
-                <a14:useLocalDpi xmlns:a14="http://schemas.microsoft.com/office/drawing/2010/main" val="0"/>
-              </a:ext>
-            </a:extLst>
-          </a:blip>
-          <a:srcRect l="9379" t="11606" r="9183" b="11463"/>
-          <a:stretch/>
-        </p:blipFill>
-        <p:spPr>
-          <a:xfrm>
-            <a:off x="847627" y="3458311"/>
-            <a:ext cx="7451126" cy="1804086"/>
-          </a:xfrm>
-          <a:prstGeom prst="rect">
-            <a:avLst/>
-          </a:prstGeom>
-        </p:spPr>
-      </p:pic>
-    </p:spTree>
-    <p:extLst>
-      <p:ext uri="{BB962C8B-B14F-4D97-AF65-F5344CB8AC3E}">
-        <p14:creationId xmlns:p14="http://schemas.microsoft.com/office/powerpoint/2010/main" val="478902130"/>
       </p:ext>
     </p:extLst>
   </p:cSld>
